--- a/presentations/lecture-presentation-template.pptx
+++ b/presentations/lecture-presentation-template.pptx
@@ -11,7 +11,6 @@
     <p:sldId id="259" r:id="rId5"/>
     <p:sldId id="260" r:id="rId6"/>
     <p:sldId id="261" r:id="rId7"/>
-    <p:sldId id="262" r:id="rId8"/>
   </p:sldIdLst>
   <p:sldSz cx="9144000" cy="6858000" type="screen4x3"/>
   <p:notesSz cx="6858000" cy="9144000"/>
@@ -3142,7 +3141,23 @@
             </a:pPr>
             <a:r>
               <a:rPr/>
-              <a:t>Topic</a:t>
+              <a:t>GIt</a:t>
+            </a:r>
+            <a:r>
+              <a:rPr/>
+              <a:t> </a:t>
+            </a:r>
+            <a:r>
+              <a:rPr/>
+              <a:t>and</a:t>
+            </a:r>
+            <a:r>
+              <a:rPr/>
+              <a:t> </a:t>
+            </a:r>
+            <a:r>
+              <a:rPr/>
+              <a:t>Github</a:t>
             </a:r>
           </a:p>
         </p:txBody>
@@ -3235,7 +3250,7 @@
             </a:pPr>
             <a:r>
               <a:rPr/>
-              <a:t>2019-09-12</a:t>
+              <a:t>2019-10-18</a:t>
             </a:r>
           </a:p>
         </p:txBody>
@@ -3272,12 +3287,7 @@
             <p:ph type="title"/>
           </p:nvPr>
         </p:nvSpPr>
-        <p:spPr>
-          <a:xfrm>
-            <a:off x="722313" y="4406900"/>
-            <a:ext cx="7772400" cy="1362075"/>
-          </a:xfrm>
-        </p:spPr>
+        <p:spPr/>
         <p:txBody>
           <a:bodyPr/>
           <a:lstStyle/>
@@ -3296,6 +3306,164 @@
             <a:r>
               <a:rPr/>
               <a:t>Markdown</a:t>
+            </a:r>
+          </a:p>
+        </p:txBody>
+      </p:sp>
+      <p:sp>
+        <p:nvSpPr>
+          <p:cNvPr id="3" name="Content Placeholder 2"/>
+          <p:cNvSpPr>
+            <a:spLocks noGrp="1"/>
+          </p:cNvSpPr>
+          <p:nvPr>
+            <p:ph idx="1"/>
+          </p:nvPr>
+        </p:nvSpPr>
+        <p:spPr/>
+        <p:txBody>
+          <a:bodyPr/>
+          <a:lstStyle/>
+          <a:p>
+            <a:pPr lvl="0" marL="0" indent="0">
+              <a:spcBef>
+                <a:spcPts val="3000"/>
+              </a:spcBef>
+              <a:buNone/>
+            </a:pPr>
+            <a:r>
+              <a:rPr b="1"/>
+              <a:t>Getting Started</a:t>
+            </a:r>
+          </a:p>
+          <a:p>
+            <a:pPr lvl="0" marL="0" indent="0">
+              <a:buNone/>
+            </a:pPr>
+            <a:r>
+              <a:rPr/>
+              <a:t>This is an R Markdown presentation. Markdown is a simple formatting syntax for authoring HTML, PDF, and MS Word documents. For more details on using R Markdown for presentations see </a:t>
+            </a:r>
+            <a:r>
+              <a:rPr>
+                <a:hlinkClick r:id="rId2"/>
+              </a:rPr>
+              <a:t>https://bookdown.org/yihui/rmarkdown/presentations.html</a:t>
+            </a:r>
+            <a:r>
+              <a:rPr/>
+              <a:t>.</a:t>
+            </a:r>
+          </a:p>
+          <a:p>
+            <a:pPr lvl="0" marL="0" indent="0">
+              <a:buNone/>
+            </a:pPr>
+            <a:r>
+              <a:rPr/>
+              <a:t>When you click the </a:t>
+            </a:r>
+            <a:r>
+              <a:rPr b="1"/>
+              <a:t>Knit</a:t>
+            </a:r>
+            <a:r>
+              <a:rPr/>
+              <a:t> button a document will be generated that includes both content as well as the output of any embedded R code chunks within the document.</a:t>
+            </a:r>
+          </a:p>
+          <a:p>
+            <a:pPr lvl="0" marL="0" indent="0">
+              <a:spcBef>
+                <a:spcPts val="3000"/>
+              </a:spcBef>
+              <a:buNone/>
+            </a:pPr>
+            <a:r>
+              <a:rPr b="1"/>
+              <a:t>Slide with Bullets</a:t>
+            </a:r>
+          </a:p>
+          <a:p>
+            <a:pPr lvl="1"/>
+            <a:r>
+              <a:rPr/>
+              <a:t>Bullet 1</a:t>
+            </a:r>
+          </a:p>
+          <a:p>
+            <a:pPr lvl="1"/>
+            <a:r>
+              <a:rPr/>
+              <a:t>Bullet 2</a:t>
+            </a:r>
+          </a:p>
+          <a:p>
+            <a:pPr lvl="1"/>
+            <a:r>
+              <a:rPr/>
+              <a:t>Bullet 3</a:t>
+            </a:r>
+          </a:p>
+          <a:p>
+            <a:pPr lvl="0" marL="0" indent="0">
+              <a:spcBef>
+                <a:spcPts val="3000"/>
+              </a:spcBef>
+              <a:buNone/>
+            </a:pPr>
+            <a:r>
+              <a:rPr b="1"/>
+              <a:t>Slide with R Output</a:t>
+            </a:r>
+          </a:p>
+          <a:p>
+            <a:pPr lvl="0" marL="1270000" indent="0">
+              <a:buNone/>
+            </a:pPr>
+            <a:r>
+              <a:rPr sz="1800" b="1">
+                <a:solidFill>
+                  <a:srgbClr val="007020"/>
+                </a:solidFill>
+                <a:latin typeface="Courier"/>
+              </a:rPr>
+              <a:t>summary</a:t>
+            </a:r>
+            <a:r>
+              <a:rPr sz="1800">
+                <a:latin typeface="Courier"/>
+              </a:rPr>
+              <a:t>(cars)</a:t>
+            </a:r>
+          </a:p>
+          <a:p>
+            <a:pPr lvl="0" marL="1270000" indent="0">
+              <a:buNone/>
+            </a:pPr>
+            <a:r>
+              <a:rPr sz="1800">
+                <a:latin typeface="Courier"/>
+              </a:rPr>
+              <a:t>##      speed           dist       
+##  Min.   : 4.0   Min.   :  2.00  
+##  1st Qu.:12.0   1st Qu.: 26.00  
+##  Median :15.0   Median : 36.00  
+##  Mean   :15.4   Mean   : 42.98  
+##  3rd Qu.:19.0   3rd Qu.: 56.00  
+##  Max.   :25.0   Max.   :120.00</a:t>
+            </a:r>
+          </a:p>
+          <a:p>
+            <a:pPr lvl="0" marL="0" indent="0">
+              <a:spcBef>
+                <a:spcPts val="3000"/>
+              </a:spcBef>
+              <a:buNone/>
+            </a:pPr>
+            <a:r>
+              <a:rPr b="1"/>
+              <a:t>Slide with Plot</a:t>
             </a:r>
           </a:p>
         </p:txBody>
@@ -3322,378 +3490,6 @@
           <a:chExt cx="0" cy="0"/>
         </a:xfrm>
       </p:grpSpPr>
-      <p:sp>
-        <p:nvSpPr>
-          <p:cNvPr id="2" name="Title 1"/>
-          <p:cNvSpPr>
-            <a:spLocks noGrp="1"/>
-          </p:cNvSpPr>
-          <p:nvPr>
-            <p:ph type="title"/>
-          </p:nvPr>
-        </p:nvSpPr>
-        <p:spPr/>
-        <p:txBody>
-          <a:bodyPr/>
-          <a:lstStyle/>
-          <a:p>
-            <a:pPr lvl="0" marL="0" indent="0">
-              <a:buNone/>
-            </a:pPr>
-            <a:r>
-              <a:rPr/>
-              <a:t>Getting</a:t>
-            </a:r>
-            <a:r>
-              <a:rPr/>
-              <a:t> </a:t>
-            </a:r>
-            <a:r>
-              <a:rPr/>
-              <a:t>Started</a:t>
-            </a:r>
-          </a:p>
-        </p:txBody>
-      </p:sp>
-      <p:sp>
-        <p:nvSpPr>
-          <p:cNvPr id="3" name="Content Placeholder 2"/>
-          <p:cNvSpPr>
-            <a:spLocks noGrp="1"/>
-          </p:cNvSpPr>
-          <p:nvPr>
-            <p:ph idx="1"/>
-          </p:nvPr>
-        </p:nvSpPr>
-        <p:spPr/>
-        <p:txBody>
-          <a:bodyPr/>
-          <a:lstStyle/>
-          <a:p>
-            <a:pPr lvl="0" marL="0" indent="0">
-              <a:buNone/>
-            </a:pPr>
-            <a:r>
-              <a:rPr/>
-              <a:t>This is an R Markdown presentation. Markdown is a simple formatting syntax for authoring HTML, PDF, and MS Word documents. For more details on using R Markdown for presentations see </a:t>
-            </a:r>
-            <a:r>
-              <a:rPr>
-                <a:hlinkClick r:id="rId2"/>
-              </a:rPr>
-              <a:t>https://bookdown.org/yihui/rmarkdown/presentations.html</a:t>
-            </a:r>
-            <a:r>
-              <a:rPr/>
-              <a:t>.</a:t>
-            </a:r>
-          </a:p>
-          <a:p>
-            <a:pPr lvl="0" marL="0" indent="0">
-              <a:buNone/>
-            </a:pPr>
-            <a:r>
-              <a:rPr/>
-              <a:t>When you click the </a:t>
-            </a:r>
-            <a:r>
-              <a:rPr b="1"/>
-              <a:t>Knit</a:t>
-            </a:r>
-            <a:r>
-              <a:rPr/>
-              <a:t> button a document will be generated that includes both content as well as the output of any embedded R code chunks within the document.</a:t>
-            </a:r>
-          </a:p>
-        </p:txBody>
-      </p:sp>
-    </p:spTree>
-  </p:cSld>
-</p:sld>
-</file>
-
-<file path=ppt/slides/slide4.xml><?xml version="1.0" encoding="utf-8"?>
-<p:sld xmlns:a="http://schemas.openxmlformats.org/drawingml/2006/main" xmlns:r="http://schemas.openxmlformats.org/officeDocument/2006/relationships" xmlns:p="http://schemas.openxmlformats.org/presentationml/2006/main">
-  <p:cSld>
-    <p:spTree>
-      <p:nvGrpSpPr>
-        <p:cNvPr id="1" name=""/>
-        <p:cNvGrpSpPr/>
-        <p:nvPr/>
-      </p:nvGrpSpPr>
-      <p:grpSpPr>
-        <a:xfrm>
-          <a:off x="0" y="0"/>
-          <a:ext cx="0" cy="0"/>
-          <a:chOff x="0" y="0"/>
-          <a:chExt cx="0" cy="0"/>
-        </a:xfrm>
-      </p:grpSpPr>
-      <p:sp>
-        <p:nvSpPr>
-          <p:cNvPr id="2" name="Title 1"/>
-          <p:cNvSpPr>
-            <a:spLocks noGrp="1"/>
-          </p:cNvSpPr>
-          <p:nvPr>
-            <p:ph type="title"/>
-          </p:nvPr>
-        </p:nvSpPr>
-        <p:spPr/>
-        <p:txBody>
-          <a:bodyPr/>
-          <a:lstStyle/>
-          <a:p>
-            <a:pPr lvl="0" marL="0" indent="0">
-              <a:buNone/>
-            </a:pPr>
-            <a:r>
-              <a:rPr/>
-              <a:t>Slide</a:t>
-            </a:r>
-            <a:r>
-              <a:rPr/>
-              <a:t> </a:t>
-            </a:r>
-            <a:r>
-              <a:rPr/>
-              <a:t>with</a:t>
-            </a:r>
-            <a:r>
-              <a:rPr/>
-              <a:t> </a:t>
-            </a:r>
-            <a:r>
-              <a:rPr/>
-              <a:t>Bullets</a:t>
-            </a:r>
-          </a:p>
-        </p:txBody>
-      </p:sp>
-      <p:sp>
-        <p:nvSpPr>
-          <p:cNvPr id="3" name="Content Placeholder 2"/>
-          <p:cNvSpPr>
-            <a:spLocks noGrp="1"/>
-          </p:cNvSpPr>
-          <p:nvPr>
-            <p:ph idx="1"/>
-          </p:nvPr>
-        </p:nvSpPr>
-        <p:spPr/>
-        <p:txBody>
-          <a:bodyPr/>
-          <a:lstStyle/>
-          <a:p>
-            <a:pPr lvl="1"/>
-            <a:r>
-              <a:rPr/>
-              <a:t>Bullet 1</a:t>
-            </a:r>
-          </a:p>
-          <a:p>
-            <a:pPr lvl="1"/>
-            <a:r>
-              <a:rPr/>
-              <a:t>Bullet 2</a:t>
-            </a:r>
-          </a:p>
-          <a:p>
-            <a:pPr lvl="1"/>
-            <a:r>
-              <a:rPr/>
-              <a:t>Bullet 3</a:t>
-            </a:r>
-          </a:p>
-        </p:txBody>
-      </p:sp>
-    </p:spTree>
-  </p:cSld>
-</p:sld>
-</file>
-
-<file path=ppt/slides/slide5.xml><?xml version="1.0" encoding="utf-8"?>
-<p:sld xmlns:a="http://schemas.openxmlformats.org/drawingml/2006/main" xmlns:r="http://schemas.openxmlformats.org/officeDocument/2006/relationships" xmlns:p="http://schemas.openxmlformats.org/presentationml/2006/main">
-  <p:cSld>
-    <p:spTree>
-      <p:nvGrpSpPr>
-        <p:cNvPr id="1" name=""/>
-        <p:cNvGrpSpPr/>
-        <p:nvPr/>
-      </p:nvGrpSpPr>
-      <p:grpSpPr>
-        <a:xfrm>
-          <a:off x="0" y="0"/>
-          <a:ext cx="0" cy="0"/>
-          <a:chOff x="0" y="0"/>
-          <a:chExt cx="0" cy="0"/>
-        </a:xfrm>
-      </p:grpSpPr>
-      <p:sp>
-        <p:nvSpPr>
-          <p:cNvPr id="2" name="Title 1"/>
-          <p:cNvSpPr>
-            <a:spLocks noGrp="1"/>
-          </p:cNvSpPr>
-          <p:nvPr>
-            <p:ph type="title"/>
-          </p:nvPr>
-        </p:nvSpPr>
-        <p:spPr/>
-        <p:txBody>
-          <a:bodyPr/>
-          <a:lstStyle/>
-          <a:p>
-            <a:pPr lvl="0" marL="0" indent="0">
-              <a:buNone/>
-            </a:pPr>
-            <a:r>
-              <a:rPr/>
-              <a:t>Slide</a:t>
-            </a:r>
-            <a:r>
-              <a:rPr/>
-              <a:t> </a:t>
-            </a:r>
-            <a:r>
-              <a:rPr/>
-              <a:t>with</a:t>
-            </a:r>
-            <a:r>
-              <a:rPr/>
-              <a:t> </a:t>
-            </a:r>
-            <a:r>
-              <a:rPr/>
-              <a:t>R</a:t>
-            </a:r>
-            <a:r>
-              <a:rPr/>
-              <a:t> </a:t>
-            </a:r>
-            <a:r>
-              <a:rPr/>
-              <a:t>Output</a:t>
-            </a:r>
-          </a:p>
-        </p:txBody>
-      </p:sp>
-      <p:sp>
-        <p:nvSpPr>
-          <p:cNvPr id="3" name="Content Placeholder 2"/>
-          <p:cNvSpPr>
-            <a:spLocks noGrp="1"/>
-          </p:cNvSpPr>
-          <p:nvPr>
-            <p:ph idx="1"/>
-          </p:nvPr>
-        </p:nvSpPr>
-        <p:spPr/>
-        <p:txBody>
-          <a:bodyPr/>
-          <a:lstStyle/>
-          <a:p>
-            <a:pPr lvl="0" marL="1270000" indent="0">
-              <a:buNone/>
-            </a:pPr>
-            <a:r>
-              <a:rPr sz="1800" b="1">
-                <a:solidFill>
-                  <a:srgbClr val="007020"/>
-                </a:solidFill>
-                <a:latin typeface="Courier"/>
-              </a:rPr>
-              <a:t>summary</a:t>
-            </a:r>
-            <a:r>
-              <a:rPr sz="1800">
-                <a:latin typeface="Courier"/>
-              </a:rPr>
-              <a:t>(cars)</a:t>
-            </a:r>
-          </a:p>
-          <a:p>
-            <a:pPr lvl="0" marL="1270000" indent="0">
-              <a:buNone/>
-            </a:pPr>
-            <a:r>
-              <a:rPr sz="1800">
-                <a:latin typeface="Courier"/>
-              </a:rPr>
-              <a:t>##      speed           dist       
-##  Min.   : 4.0   Min.   :  2.00  
-##  1st Qu.:12.0   1st Qu.: 26.00  
-##  Median :15.0   Median : 36.00  
-##  Mean   :15.4   Mean   : 42.98  
-##  3rd Qu.:19.0   3rd Qu.: 56.00  
-##  Max.   :25.0   Max.   :120.00</a:t>
-            </a:r>
-          </a:p>
-        </p:txBody>
-      </p:sp>
-    </p:spTree>
-  </p:cSld>
-</p:sld>
-</file>
-
-<file path=ppt/slides/slide6.xml><?xml version="1.0" encoding="utf-8"?>
-<p:sld xmlns:a="http://schemas.openxmlformats.org/drawingml/2006/main" xmlns:r="http://schemas.openxmlformats.org/officeDocument/2006/relationships" xmlns:p="http://schemas.openxmlformats.org/presentationml/2006/main">
-  <p:cSld>
-    <p:spTree>
-      <p:nvGrpSpPr>
-        <p:cNvPr id="1" name=""/>
-        <p:cNvGrpSpPr/>
-        <p:nvPr/>
-      </p:nvGrpSpPr>
-      <p:grpSpPr>
-        <a:xfrm>
-          <a:off x="0" y="0"/>
-          <a:ext cx="0" cy="0"/>
-          <a:chOff x="0" y="0"/>
-          <a:chExt cx="0" cy="0"/>
-        </a:xfrm>
-      </p:grpSpPr>
-      <p:sp>
-        <p:nvSpPr>
-          <p:cNvPr id="2" name="Title 1"/>
-          <p:cNvSpPr>
-            <a:spLocks noGrp="1"/>
-          </p:cNvSpPr>
-          <p:nvPr>
-            <p:ph type="title"/>
-          </p:nvPr>
-        </p:nvSpPr>
-        <p:spPr/>
-        <p:txBody>
-          <a:bodyPr/>
-          <a:lstStyle/>
-          <a:p>
-            <a:pPr lvl="0" marL="0" indent="0">
-              <a:buNone/>
-            </a:pPr>
-            <a:r>
-              <a:rPr/>
-              <a:t>Slide</a:t>
-            </a:r>
-            <a:r>
-              <a:rPr/>
-              <a:t> </a:t>
-            </a:r>
-            <a:r>
-              <a:rPr/>
-              <a:t>with</a:t>
-            </a:r>
-            <a:r>
-              <a:rPr/>
-              <a:t> </a:t>
-            </a:r>
-            <a:r>
-              <a:rPr/>
-              <a:t>Plot</a:t>
-            </a:r>
-          </a:p>
-        </p:txBody>
-      </p:sp>
       <p:pic>
         <p:nvPicPr>
           <p:cNvPr descr="lecture-presentation-template_files/figure-pptx/pressure-1.png" id="0" name="Picture 1"/>
@@ -3729,7 +3525,7 @@
 </p:sld>
 </file>
 
-<file path=ppt/slides/slide7.xml><?xml version="1.0" encoding="utf-8"?>
+<file path=ppt/slides/slide4.xml><?xml version="1.0" encoding="utf-8"?>
 <p:sld xmlns:a="http://schemas.openxmlformats.org/drawingml/2006/main" xmlns:r="http://schemas.openxmlformats.org/officeDocument/2006/relationships" xmlns:p="http://schemas.openxmlformats.org/presentationml/2006/main">
   <p:cSld>
     <p:spTree>
@@ -3756,12 +3552,7 @@
             <p:ph type="title"/>
           </p:nvPr>
         </p:nvSpPr>
-        <p:spPr>
-          <a:xfrm>
-            <a:off x="722313" y="4406900"/>
-            <a:ext cx="7772400" cy="1362075"/>
-          </a:xfrm>
-        </p:spPr>
+        <p:spPr/>
         <p:txBody>
           <a:bodyPr/>
           <a:lstStyle/>
@@ -3772,6 +3563,220 @@
             <a:r>
               <a:rPr/>
               <a:t>Materials</a:t>
+            </a:r>
+          </a:p>
+        </p:txBody>
+      </p:sp>
+    </p:spTree>
+  </p:cSld>
+</p:sld>
+</file>
+
+<file path=ppt/slides/slide5.xml><?xml version="1.0" encoding="utf-8"?>
+<p:sld xmlns:a="http://schemas.openxmlformats.org/drawingml/2006/main" xmlns:r="http://schemas.openxmlformats.org/officeDocument/2006/relationships" xmlns:p="http://schemas.openxmlformats.org/presentationml/2006/main">
+  <p:cSld>
+    <p:spTree>
+      <p:nvGrpSpPr>
+        <p:cNvPr id="1" name=""/>
+        <p:cNvGrpSpPr/>
+        <p:nvPr/>
+      </p:nvGrpSpPr>
+      <p:grpSpPr>
+        <a:xfrm>
+          <a:off x="0" y="0"/>
+          <a:ext cx="0" cy="0"/>
+          <a:chOff x="0" y="0"/>
+          <a:chExt cx="0" cy="0"/>
+        </a:xfrm>
+      </p:grpSpPr>
+      <p:sp>
+        <p:nvSpPr>
+          <p:cNvPr id="2" name="Title 1"/>
+          <p:cNvSpPr>
+            <a:spLocks noGrp="1"/>
+          </p:cNvSpPr>
+          <p:nvPr>
+            <p:ph type="title"/>
+          </p:nvPr>
+        </p:nvSpPr>
+        <p:spPr/>
+        <p:txBody>
+          <a:bodyPr/>
+          <a:lstStyle/>
+          <a:p>
+            <a:pPr lvl="0" marL="0" indent="0">
+              <a:buNone/>
+            </a:pPr>
+            <a:r>
+              <a:rPr/>
+              <a:t>Resources</a:t>
+            </a:r>
+          </a:p>
+        </p:txBody>
+      </p:sp>
+      <p:sp>
+        <p:nvSpPr>
+          <p:cNvPr id="3" name="Content Placeholder 2"/>
+          <p:cNvSpPr>
+            <a:spLocks noGrp="1"/>
+          </p:cNvSpPr>
+          <p:nvPr>
+            <p:ph idx="1"/>
+          </p:nvPr>
+        </p:nvSpPr>
+        <p:spPr/>
+        <p:txBody>
+          <a:bodyPr/>
+          <a:lstStyle/>
+          <a:p>
+            <a:pPr lvl="0" marL="0" indent="0">
+              <a:buNone/>
+            </a:pPr>
+            <a:r>
+              <a:rPr>
+                <a:hlinkClick r:id="rId2"/>
+              </a:rPr>
+              <a:t>Happy Git and Github for the useR</a:t>
+            </a:r>
+          </a:p>
+          <a:p>
+            <a:pPr lvl="0" marL="0" indent="0">
+              <a:buNone/>
+            </a:pPr>
+            <a:r>
+              <a:rPr>
+                <a:hlinkClick r:id="rId3"/>
+              </a:rPr>
+              <a:t>Oh Sh*t, Git!</a:t>
+            </a:r>
+            <a:r>
+              <a:rPr/>
+              <a:t> - </a:t>
+            </a:r>
+            <a:r>
+              <a:rPr>
+                <a:hlinkClick r:id="rId4"/>
+              </a:rPr>
+              <a:t>Dangit, Git!</a:t>
+            </a:r>
+            <a:r>
+              <a:rPr/>
+              <a:t> if you’re so inclined</a:t>
+            </a:r>
+          </a:p>
+          <a:p>
+            <a:pPr lvl="0" marL="0" indent="0">
+              <a:buNone/>
+            </a:pPr>
+            <a:r>
+              <a:rPr>
+                <a:hlinkClick r:id="rId5"/>
+              </a:rPr>
+              <a:t>git documentation itself isn’t bad</a:t>
+            </a:r>
+          </a:p>
+        </p:txBody>
+      </p:sp>
+    </p:spTree>
+  </p:cSld>
+</p:sld>
+</file>
+
+<file path=ppt/slides/slide6.xml><?xml version="1.0" encoding="utf-8"?>
+<p:sld xmlns:a="http://schemas.openxmlformats.org/drawingml/2006/main" xmlns:r="http://schemas.openxmlformats.org/officeDocument/2006/relationships" xmlns:p="http://schemas.openxmlformats.org/presentationml/2006/main">
+  <p:cSld>
+    <p:spTree>
+      <p:nvGrpSpPr>
+        <p:cNvPr id="1" name=""/>
+        <p:cNvGrpSpPr/>
+        <p:nvPr/>
+      </p:nvGrpSpPr>
+      <p:grpSpPr>
+        <a:xfrm>
+          <a:off x="0" y="0"/>
+          <a:ext cx="0" cy="0"/>
+          <a:chOff x="0" y="0"/>
+          <a:chExt cx="0" cy="0"/>
+        </a:xfrm>
+      </p:grpSpPr>
+      <p:sp>
+        <p:nvSpPr>
+          <p:cNvPr id="2" name="Title 1"/>
+          <p:cNvSpPr>
+            <a:spLocks noGrp="1"/>
+          </p:cNvSpPr>
+          <p:nvPr>
+            <p:ph type="title"/>
+          </p:nvPr>
+        </p:nvSpPr>
+        <p:spPr/>
+        <p:txBody>
+          <a:bodyPr/>
+          <a:lstStyle/>
+          <a:p>
+            <a:pPr lvl="0" marL="0" indent="0">
+              <a:buNone/>
+            </a:pPr>
+            <a:r>
+              <a:rPr/>
+              <a:t>Fun</a:t>
+            </a:r>
+            <a:r>
+              <a:rPr/>
+              <a:t> </a:t>
+            </a:r>
+            <a:r>
+              <a:rPr/>
+              <a:t>Resources</a:t>
+            </a:r>
+          </a:p>
+        </p:txBody>
+      </p:sp>
+      <p:sp>
+        <p:nvSpPr>
+          <p:cNvPr id="3" name="Content Placeholder 2"/>
+          <p:cNvSpPr>
+            <a:spLocks noGrp="1"/>
+          </p:cNvSpPr>
+          <p:nvPr>
+            <p:ph idx="1"/>
+          </p:nvPr>
+        </p:nvSpPr>
+        <p:spPr/>
+        <p:txBody>
+          <a:bodyPr/>
+          <a:lstStyle/>
+          <a:p>
+            <a:pPr lvl="0" marL="0" indent="0">
+              <a:buNone/>
+            </a:pPr>
+            <a:r>
+              <a:rPr>
+                <a:hlinkClick r:id="rId2"/>
+              </a:rPr>
+              <a:t>Commits From Last Night</a:t>
+            </a:r>
+          </a:p>
+          <a:p>
+            <a:pPr lvl="0" marL="0" indent="0">
+              <a:buNone/>
+            </a:pPr>
+            <a:r>
+              <a:rPr>
+                <a:hlinkClick r:id="rId3"/>
+              </a:rPr>
+              <a:t>git manual page generator</a:t>
+            </a:r>
+          </a:p>
+          <a:p>
+            <a:pPr lvl="0" marL="0" indent="0">
+              <a:buNone/>
+            </a:pPr>
+            <a:r>
+              <a:rPr>
+                <a:hlinkClick r:id="rId4"/>
+              </a:rPr>
+              <a:t>starwars intro you commit history!</a:t>
             </a:r>
           </a:p>
         </p:txBody>
